--- a/geo-secret.pptx
+++ b/geo-secret.pptx
@@ -8,10 +8,12 @@
     <p:sldId id="256" r:id="rId2"/>
     <p:sldId id="258" r:id="rId3"/>
     <p:sldId id="259" r:id="rId4"/>
-    <p:sldId id="260" r:id="rId5"/>
-    <p:sldId id="261" r:id="rId6"/>
-    <p:sldId id="262" r:id="rId7"/>
-    <p:sldId id="263" r:id="rId8"/>
+    <p:sldId id="264" r:id="rId5"/>
+    <p:sldId id="260" r:id="rId6"/>
+    <p:sldId id="261" r:id="rId7"/>
+    <p:sldId id="265" r:id="rId8"/>
+    <p:sldId id="262" r:id="rId9"/>
+    <p:sldId id="263" r:id="rId10"/>
   </p:sldIdLst>
   <p:sldSz cx="12192000" cy="6858000"/>
   <p:notesSz cx="6858000" cy="9144000"/>
@@ -110,6 +112,11 @@
       </a:defRPr>
     </a:lvl9pPr>
   </p:defaultTextStyle>
+  <p:extLst>
+    <p:ext uri="{EFAFB233-063F-42B5-8137-9DF3F51BA10A}">
+      <p15:sldGuideLst xmlns:p15="http://schemas.microsoft.com/office/powerpoint/2012/main"/>
+    </p:ext>
+  </p:extLst>
 </p:presentation>
 </file>
 
@@ -301,7 +308,7 @@
           <a:p>
             <a:fld id="{390E4A19-5557-4046-B688-D080A32CF088}" type="datetimeFigureOut">
               <a:rPr lang="en-US" smtClean="0"/>
-              <a:t>2/10/2016</a:t>
+              <a:t>2/11/2016</a:t>
             </a:fld>
             <a:endParaRPr lang="en-US"/>
           </a:p>
@@ -639,7 +646,7 @@
           <a:p>
             <a:fld id="{390E4A19-5557-4046-B688-D080A32CF088}" type="datetimeFigureOut">
               <a:rPr lang="en-US" smtClean="0"/>
-              <a:t>2/10/2016</a:t>
+              <a:t>2/11/2016</a:t>
             </a:fld>
             <a:endParaRPr lang="en-US"/>
           </a:p>
@@ -1040,7 +1047,7 @@
           <a:p>
             <a:fld id="{390E4A19-5557-4046-B688-D080A32CF088}" type="datetimeFigureOut">
               <a:rPr lang="en-US" smtClean="0"/>
-              <a:t>2/10/2016</a:t>
+              <a:t>2/11/2016</a:t>
             </a:fld>
             <a:endParaRPr lang="en-US"/>
           </a:p>
@@ -1376,7 +1383,7 @@
           <a:p>
             <a:fld id="{390E4A19-5557-4046-B688-D080A32CF088}" type="datetimeFigureOut">
               <a:rPr lang="en-US" smtClean="0"/>
-              <a:t>2/10/2016</a:t>
+              <a:t>2/11/2016</a:t>
             </a:fld>
             <a:endParaRPr lang="en-US"/>
           </a:p>
@@ -1696,7 +1703,7 @@
           <a:p>
             <a:fld id="{390E4A19-5557-4046-B688-D080A32CF088}" type="datetimeFigureOut">
               <a:rPr lang="en-US" smtClean="0"/>
-              <a:t>2/10/2016</a:t>
+              <a:t>2/11/2016</a:t>
             </a:fld>
             <a:endParaRPr lang="en-US"/>
           </a:p>
@@ -2092,7 +2099,7 @@
           <a:p>
             <a:fld id="{390E4A19-5557-4046-B688-D080A32CF088}" type="datetimeFigureOut">
               <a:rPr lang="en-US" smtClean="0"/>
-              <a:t>2/10/2016</a:t>
+              <a:t>2/11/2016</a:t>
             </a:fld>
             <a:endParaRPr lang="en-US"/>
           </a:p>
@@ -2349,7 +2356,7 @@
           <a:p>
             <a:fld id="{390E4A19-5557-4046-B688-D080A32CF088}" type="datetimeFigureOut">
               <a:rPr lang="en-US" smtClean="0"/>
-              <a:t>2/10/2016</a:t>
+              <a:t>2/11/2016</a:t>
             </a:fld>
             <a:endParaRPr lang="en-US"/>
           </a:p>
@@ -2611,7 +2618,7 @@
           <a:p>
             <a:fld id="{390E4A19-5557-4046-B688-D080A32CF088}" type="datetimeFigureOut">
               <a:rPr lang="en-US" smtClean="0"/>
-              <a:t>2/10/2016</a:t>
+              <a:t>2/11/2016</a:t>
             </a:fld>
             <a:endParaRPr lang="en-US"/>
           </a:p>
@@ -2873,7 +2880,7 @@
           <a:p>
             <a:fld id="{390E4A19-5557-4046-B688-D080A32CF088}" type="datetimeFigureOut">
               <a:rPr lang="en-US" smtClean="0"/>
-              <a:t>2/10/2016</a:t>
+              <a:t>2/11/2016</a:t>
             </a:fld>
             <a:endParaRPr lang="en-US"/>
           </a:p>
@@ -3202,7 +3209,7 @@
           <a:p>
             <a:fld id="{390E4A19-5557-4046-B688-D080A32CF088}" type="datetimeFigureOut">
               <a:rPr lang="en-US" smtClean="0"/>
-              <a:t>2/10/2016</a:t>
+              <a:t>2/11/2016</a:t>
             </a:fld>
             <a:endParaRPr lang="en-US"/>
           </a:p>
@@ -3525,7 +3532,7 @@
           <a:p>
             <a:fld id="{390E4A19-5557-4046-B688-D080A32CF088}" type="datetimeFigureOut">
               <a:rPr lang="en-US" smtClean="0"/>
-              <a:t>2/10/2016</a:t>
+              <a:t>2/11/2016</a:t>
             </a:fld>
             <a:endParaRPr lang="en-US"/>
           </a:p>
@@ -3982,7 +3989,7 @@
           <a:p>
             <a:fld id="{390E4A19-5557-4046-B688-D080A32CF088}" type="datetimeFigureOut">
               <a:rPr lang="en-US" smtClean="0"/>
-              <a:t>2/10/2016</a:t>
+              <a:t>2/11/2016</a:t>
             </a:fld>
             <a:endParaRPr lang="en-US"/>
           </a:p>
@@ -4187,7 +4194,7 @@
           <a:p>
             <a:fld id="{390E4A19-5557-4046-B688-D080A32CF088}" type="datetimeFigureOut">
               <a:rPr lang="en-US" smtClean="0"/>
-              <a:t>2/10/2016</a:t>
+              <a:t>2/11/2016</a:t>
             </a:fld>
             <a:endParaRPr lang="en-US"/>
           </a:p>
@@ -4364,7 +4371,7 @@
           <a:p>
             <a:fld id="{390E4A19-5557-4046-B688-D080A32CF088}" type="datetimeFigureOut">
               <a:rPr lang="en-US" smtClean="0"/>
-              <a:t>2/10/2016</a:t>
+              <a:t>2/11/2016</a:t>
             </a:fld>
             <a:endParaRPr lang="en-US"/>
           </a:p>
@@ -4697,7 +4704,7 @@
           <a:p>
             <a:fld id="{390E4A19-5557-4046-B688-D080A32CF088}" type="datetimeFigureOut">
               <a:rPr lang="en-US" smtClean="0"/>
-              <a:t>2/10/2016</a:t>
+              <a:t>2/11/2016</a:t>
             </a:fld>
             <a:endParaRPr lang="en-US"/>
           </a:p>
@@ -5042,7 +5049,7 @@
           <a:p>
             <a:fld id="{390E4A19-5557-4046-B688-D080A32CF088}" type="datetimeFigureOut">
               <a:rPr lang="en-US" smtClean="0"/>
-              <a:t>2/10/2016</a:t>
+              <a:t>2/11/2016</a:t>
             </a:fld>
             <a:endParaRPr lang="en-US"/>
           </a:p>
@@ -7159,7 +7166,7 @@
           <a:p>
             <a:fld id="{390E4A19-5557-4046-B688-D080A32CF088}" type="datetimeFigureOut">
               <a:rPr lang="en-US" smtClean="0"/>
-              <a:t>2/10/2016</a:t>
+              <a:t>2/11/2016</a:t>
             </a:fld>
             <a:endParaRPr lang="en-US"/>
           </a:p>
@@ -7755,6 +7762,47 @@
           </a:p>
         </p:txBody>
       </p:sp>
+      <p:pic>
+        <p:nvPicPr>
+          <p:cNvPr id="1026" name="Picture 2" descr="http://img06.deviantart.net/ebd1/i/2006/273/a/e/shhh__by_brooke_delaine.jpg"/>
+          <p:cNvPicPr>
+            <a:picLocks noChangeAspect="1" noChangeArrowheads="1"/>
+          </p:cNvPicPr>
+          <p:nvPr/>
+        </p:nvPicPr>
+        <p:blipFill>
+          <a:blip r:embed="rId2" cstate="print">
+            <a:extLst>
+              <a:ext uri="{28A0092B-C50C-407E-A947-70E740481C1C}">
+                <a14:useLocalDpi xmlns:a14="http://schemas.microsoft.com/office/drawing/2010/main" val="0"/>
+              </a:ext>
+            </a:extLst>
+          </a:blip>
+          <a:srcRect/>
+          <a:stretch>
+            <a:fillRect/>
+          </a:stretch>
+        </p:blipFill>
+        <p:spPr bwMode="auto">
+          <a:xfrm>
+            <a:off x="7330638" y="133254"/>
+            <a:ext cx="4173974" cy="6662642"/>
+          </a:xfrm>
+          <a:prstGeom prst="rect">
+            <a:avLst/>
+          </a:prstGeom>
+          <a:noFill/>
+          <a:extLst>
+            <a:ext uri="{909E8E84-426E-40DD-AFC4-6F175D3DCCD1}">
+              <a14:hiddenFill xmlns:a14="http://schemas.microsoft.com/office/drawing/2010/main">
+                <a:solidFill>
+                  <a:srgbClr val="FFFFFF"/>
+                </a:solidFill>
+              </a14:hiddenFill>
+            </a:ext>
+          </a:extLst>
+        </p:spPr>
+      </p:pic>
     </p:spTree>
     <p:extLst>
       <p:ext uri="{BB962C8B-B14F-4D97-AF65-F5344CB8AC3E}">
@@ -8254,14 +8302,35 @@
             <p:ph type="title"/>
           </p:nvPr>
         </p:nvSpPr>
-        <p:spPr/>
+        <p:spPr>
+          <a:xfrm>
+            <a:off x="2592925" y="624110"/>
+            <a:ext cx="9455099" cy="1280890"/>
+          </a:xfrm>
+        </p:spPr>
         <p:txBody>
           <a:bodyPr/>
           <a:lstStyle/>
           <a:p>
             <a:r>
+              <a:rPr lang="en-US" dirty="0"/>
+              <a:t>Ring </a:t>
+            </a:r>
+            <a:r>
               <a:rPr lang="en-US" dirty="0" smtClean="0"/>
-              <a:t>Ring Signatures</a:t>
+              <a:t>Signatures – </a:t>
+            </a:r>
+            <a:r>
+              <a:rPr lang="en-US" dirty="0" err="1" smtClean="0"/>
+              <a:t>Rivest</a:t>
+            </a:r>
+            <a:r>
+              <a:rPr lang="en-US" dirty="0" smtClean="0"/>
+              <a:t>, Shamir, </a:t>
+            </a:r>
+            <a:r>
+              <a:rPr lang="en-US" dirty="0" err="1" smtClean="0"/>
+              <a:t>Tauman</a:t>
             </a:r>
             <a:endParaRPr lang="en-US" dirty="0"/>
           </a:p>
@@ -8282,49 +8351,48 @@
           <a:bodyPr/>
           <a:lstStyle/>
           <a:p>
+            <a:pPr marL="0" indent="0">
+              <a:buNone/>
+            </a:pPr>
+            <a:r>
+              <a:rPr lang="en-US" b="1" dirty="0" smtClean="0"/>
+              <a:t>RSA</a:t>
+            </a:r>
+            <a:endParaRPr lang="en-US" b="1" dirty="0"/>
+          </a:p>
+          <a:p>
             <a:r>
               <a:rPr lang="en-US" dirty="0" smtClean="0"/>
-              <a:t>We take </a:t>
-            </a:r>
-            <a:r>
-              <a:rPr lang="en-US" dirty="0" err="1" smtClean="0"/>
-              <a:t>sufficienly</a:t>
-            </a:r>
+              <a:t>Encryption</a:t>
+            </a:r>
+          </a:p>
+          <a:p>
+            <a:pPr lvl="1"/>
             <a:r>
               <a:rPr lang="en-US" dirty="0" smtClean="0"/>
-              <a:t> large b (160 bits larger then any </a:t>
-            </a:r>
-            <a:r>
-              <a:rPr lang="en-US" dirty="0" err="1" smtClean="0"/>
-              <a:t>n_i</a:t>
-            </a:r>
+              <a:t>Public key: n, e</a:t>
+            </a:r>
+          </a:p>
+          <a:p>
+            <a:endParaRPr lang="en-US" dirty="0"/>
+          </a:p>
+          <a:p>
+            <a:endParaRPr lang="en-US" dirty="0" smtClean="0"/>
+          </a:p>
+          <a:p>
+            <a:endParaRPr lang="en-US" dirty="0"/>
+          </a:p>
+          <a:p>
             <a:r>
               <a:rPr lang="en-US" dirty="0" smtClean="0"/>
-              <a:t>)</a:t>
-            </a:r>
-          </a:p>
-          <a:p>
-            <a:endParaRPr lang="en-US" dirty="0"/>
-          </a:p>
-          <a:p>
-            <a:endParaRPr lang="en-US" dirty="0" smtClean="0"/>
-          </a:p>
-          <a:p>
-            <a:endParaRPr lang="en-US" dirty="0"/>
-          </a:p>
-          <a:p>
-            <a:endParaRPr lang="en-US" dirty="0" smtClean="0"/>
-          </a:p>
-          <a:p>
-            <a:endParaRPr lang="en-US" dirty="0"/>
-          </a:p>
-          <a:p>
-            <a:endParaRPr lang="en-US" dirty="0" smtClean="0"/>
-          </a:p>
-          <a:p>
+              <a:t>Decryption</a:t>
+            </a:r>
+          </a:p>
+          <a:p>
+            <a:pPr lvl="1"/>
             <a:r>
               <a:rPr lang="en-US" dirty="0" smtClean="0"/>
-              <a:t>Now all trap door functions are of the same domain - </a:t>
+              <a:t>Private key: d, e</a:t>
             </a:r>
             <a:endParaRPr lang="en-US" dirty="0"/>
           </a:p>
@@ -8332,7 +8400,7 @@
       </p:sp>
       <p:pic>
         <p:nvPicPr>
-          <p:cNvPr id="4" name="Picture 3"/>
+          <p:cNvPr id="5" name="Picture 4"/>
           <p:cNvPicPr>
             <a:picLocks noChangeAspect="1"/>
           </p:cNvPicPr>
@@ -8346,8 +8414,8 @@
         </p:blipFill>
         <p:spPr>
           <a:xfrm>
-            <a:off x="4666122" y="1412173"/>
-            <a:ext cx="3535905" cy="736393"/>
+            <a:off x="2992143" y="3472991"/>
+            <a:ext cx="2439118" cy="560338"/>
           </a:xfrm>
           <a:prstGeom prst="rect">
             <a:avLst/>
@@ -8356,7 +8424,7 @@
       </p:pic>
       <p:pic>
         <p:nvPicPr>
-          <p:cNvPr id="5" name="Picture 4"/>
+          <p:cNvPr id="6" name="Picture 5"/>
           <p:cNvPicPr>
             <a:picLocks noChangeAspect="1"/>
           </p:cNvPicPr>
@@ -8370,7 +8438,439 @@
         </p:blipFill>
         <p:spPr>
           <a:xfrm>
-            <a:off x="3545592" y="3383372"/>
+            <a:off x="2992143" y="5514832"/>
+            <a:ext cx="3762470" cy="542278"/>
+          </a:xfrm>
+          <a:prstGeom prst="rect">
+            <a:avLst/>
+          </a:prstGeom>
+        </p:spPr>
+      </p:pic>
+    </p:spTree>
+    <p:extLst>
+      <p:ext uri="{BB962C8B-B14F-4D97-AF65-F5344CB8AC3E}">
+        <p14:creationId xmlns:p14="http://schemas.microsoft.com/office/powerpoint/2010/main" val="3520545188"/>
+      </p:ext>
+    </p:extLst>
+  </p:cSld>
+  <p:clrMapOvr>
+    <a:masterClrMapping/>
+  </p:clrMapOvr>
+  <p:timing>
+    <p:tnLst>
+      <p:par>
+        <p:cTn id="1" dur="indefinite" restart="never" nodeType="tmRoot">
+          <p:childTnLst>
+            <p:seq concurrent="1" nextAc="seek">
+              <p:cTn id="2" dur="indefinite" nodeType="mainSeq">
+                <p:childTnLst>
+                  <p:par>
+                    <p:cTn id="3" fill="hold">
+                      <p:stCondLst>
+                        <p:cond delay="indefinite"/>
+                      </p:stCondLst>
+                      <p:childTnLst>
+                        <p:par>
+                          <p:cTn id="4" fill="hold">
+                            <p:stCondLst>
+                              <p:cond delay="0"/>
+                            </p:stCondLst>
+                            <p:childTnLst>
+                              <p:par>
+                                <p:cTn id="5" presetID="1" presetClass="entr" presetSubtype="0" fill="hold" nodeType="clickEffect">
+                                  <p:stCondLst>
+                                    <p:cond delay="0"/>
+                                  </p:stCondLst>
+                                  <p:childTnLst>
+                                    <p:set>
+                                      <p:cBhvr>
+                                        <p:cTn id="6" dur="1" fill="hold">
+                                          <p:stCondLst>
+                                            <p:cond delay="0"/>
+                                          </p:stCondLst>
+                                        </p:cTn>
+                                        <p:tgtEl>
+                                          <p:spTgt spid="3">
+                                            <p:txEl>
+                                              <p:pRg st="1" end="1"/>
+                                            </p:txEl>
+                                          </p:spTgt>
+                                        </p:tgtEl>
+                                        <p:attrNameLst>
+                                          <p:attrName>style.visibility</p:attrName>
+                                        </p:attrNameLst>
+                                      </p:cBhvr>
+                                      <p:to>
+                                        <p:strVal val="visible"/>
+                                      </p:to>
+                                    </p:set>
+                                  </p:childTnLst>
+                                </p:cTn>
+                              </p:par>
+                              <p:par>
+                                <p:cTn id="7" presetID="1" presetClass="entr" presetSubtype="0" fill="hold" nodeType="withEffect">
+                                  <p:stCondLst>
+                                    <p:cond delay="0"/>
+                                  </p:stCondLst>
+                                  <p:childTnLst>
+                                    <p:set>
+                                      <p:cBhvr>
+                                        <p:cTn id="8" dur="1" fill="hold">
+                                          <p:stCondLst>
+                                            <p:cond delay="0"/>
+                                          </p:stCondLst>
+                                        </p:cTn>
+                                        <p:tgtEl>
+                                          <p:spTgt spid="3">
+                                            <p:txEl>
+                                              <p:pRg st="2" end="2"/>
+                                            </p:txEl>
+                                          </p:spTgt>
+                                        </p:tgtEl>
+                                        <p:attrNameLst>
+                                          <p:attrName>style.visibility</p:attrName>
+                                        </p:attrNameLst>
+                                      </p:cBhvr>
+                                      <p:to>
+                                        <p:strVal val="visible"/>
+                                      </p:to>
+                                    </p:set>
+                                  </p:childTnLst>
+                                </p:cTn>
+                              </p:par>
+                            </p:childTnLst>
+                          </p:cTn>
+                        </p:par>
+                      </p:childTnLst>
+                    </p:cTn>
+                  </p:par>
+                  <p:par>
+                    <p:cTn id="9" fill="hold">
+                      <p:stCondLst>
+                        <p:cond delay="indefinite"/>
+                      </p:stCondLst>
+                      <p:childTnLst>
+                        <p:par>
+                          <p:cTn id="10" fill="hold">
+                            <p:stCondLst>
+                              <p:cond delay="0"/>
+                            </p:stCondLst>
+                            <p:childTnLst>
+                              <p:par>
+                                <p:cTn id="11" presetID="1" presetClass="entr" presetSubtype="0" fill="hold" nodeType="clickEffect">
+                                  <p:stCondLst>
+                                    <p:cond delay="0"/>
+                                  </p:stCondLst>
+                                  <p:childTnLst>
+                                    <p:set>
+                                      <p:cBhvr>
+                                        <p:cTn id="12" dur="1" fill="hold">
+                                          <p:stCondLst>
+                                            <p:cond delay="0"/>
+                                          </p:stCondLst>
+                                        </p:cTn>
+                                        <p:tgtEl>
+                                          <p:spTgt spid="5"/>
+                                        </p:tgtEl>
+                                        <p:attrNameLst>
+                                          <p:attrName>style.visibility</p:attrName>
+                                        </p:attrNameLst>
+                                      </p:cBhvr>
+                                      <p:to>
+                                        <p:strVal val="visible"/>
+                                      </p:to>
+                                    </p:set>
+                                  </p:childTnLst>
+                                </p:cTn>
+                              </p:par>
+                            </p:childTnLst>
+                          </p:cTn>
+                        </p:par>
+                      </p:childTnLst>
+                    </p:cTn>
+                  </p:par>
+                  <p:par>
+                    <p:cTn id="13" fill="hold">
+                      <p:stCondLst>
+                        <p:cond delay="indefinite"/>
+                      </p:stCondLst>
+                      <p:childTnLst>
+                        <p:par>
+                          <p:cTn id="14" fill="hold">
+                            <p:stCondLst>
+                              <p:cond delay="0"/>
+                            </p:stCondLst>
+                            <p:childTnLst>
+                              <p:par>
+                                <p:cTn id="15" presetID="1" presetClass="entr" presetSubtype="0" fill="hold" nodeType="clickEffect">
+                                  <p:stCondLst>
+                                    <p:cond delay="0"/>
+                                  </p:stCondLst>
+                                  <p:childTnLst>
+                                    <p:set>
+                                      <p:cBhvr>
+                                        <p:cTn id="16" dur="1" fill="hold">
+                                          <p:stCondLst>
+                                            <p:cond delay="0"/>
+                                          </p:stCondLst>
+                                        </p:cTn>
+                                        <p:tgtEl>
+                                          <p:spTgt spid="3">
+                                            <p:txEl>
+                                              <p:pRg st="6" end="6"/>
+                                            </p:txEl>
+                                          </p:spTgt>
+                                        </p:tgtEl>
+                                        <p:attrNameLst>
+                                          <p:attrName>style.visibility</p:attrName>
+                                        </p:attrNameLst>
+                                      </p:cBhvr>
+                                      <p:to>
+                                        <p:strVal val="visible"/>
+                                      </p:to>
+                                    </p:set>
+                                  </p:childTnLst>
+                                </p:cTn>
+                              </p:par>
+                              <p:par>
+                                <p:cTn id="17" presetID="1" presetClass="entr" presetSubtype="0" fill="hold" nodeType="withEffect">
+                                  <p:stCondLst>
+                                    <p:cond delay="0"/>
+                                  </p:stCondLst>
+                                  <p:childTnLst>
+                                    <p:set>
+                                      <p:cBhvr>
+                                        <p:cTn id="18" dur="1" fill="hold">
+                                          <p:stCondLst>
+                                            <p:cond delay="0"/>
+                                          </p:stCondLst>
+                                        </p:cTn>
+                                        <p:tgtEl>
+                                          <p:spTgt spid="3">
+                                            <p:txEl>
+                                              <p:pRg st="7" end="7"/>
+                                            </p:txEl>
+                                          </p:spTgt>
+                                        </p:tgtEl>
+                                        <p:attrNameLst>
+                                          <p:attrName>style.visibility</p:attrName>
+                                        </p:attrNameLst>
+                                      </p:cBhvr>
+                                      <p:to>
+                                        <p:strVal val="visible"/>
+                                      </p:to>
+                                    </p:set>
+                                  </p:childTnLst>
+                                </p:cTn>
+                              </p:par>
+                            </p:childTnLst>
+                          </p:cTn>
+                        </p:par>
+                      </p:childTnLst>
+                    </p:cTn>
+                  </p:par>
+                  <p:par>
+                    <p:cTn id="19" fill="hold">
+                      <p:stCondLst>
+                        <p:cond delay="indefinite"/>
+                      </p:stCondLst>
+                      <p:childTnLst>
+                        <p:par>
+                          <p:cTn id="20" fill="hold">
+                            <p:stCondLst>
+                              <p:cond delay="0"/>
+                            </p:stCondLst>
+                            <p:childTnLst>
+                              <p:par>
+                                <p:cTn id="21" presetID="1" presetClass="entr" presetSubtype="0" fill="hold" nodeType="clickEffect">
+                                  <p:stCondLst>
+                                    <p:cond delay="0"/>
+                                  </p:stCondLst>
+                                  <p:childTnLst>
+                                    <p:set>
+                                      <p:cBhvr>
+                                        <p:cTn id="22" dur="1" fill="hold">
+                                          <p:stCondLst>
+                                            <p:cond delay="0"/>
+                                          </p:stCondLst>
+                                        </p:cTn>
+                                        <p:tgtEl>
+                                          <p:spTgt spid="6"/>
+                                        </p:tgtEl>
+                                        <p:attrNameLst>
+                                          <p:attrName>style.visibility</p:attrName>
+                                        </p:attrNameLst>
+                                      </p:cBhvr>
+                                      <p:to>
+                                        <p:strVal val="visible"/>
+                                      </p:to>
+                                    </p:set>
+                                  </p:childTnLst>
+                                </p:cTn>
+                              </p:par>
+                            </p:childTnLst>
+                          </p:cTn>
+                        </p:par>
+                      </p:childTnLst>
+                    </p:cTn>
+                  </p:par>
+                </p:childTnLst>
+              </p:cTn>
+              <p:prevCondLst>
+                <p:cond evt="onPrev" delay="0">
+                  <p:tgtEl>
+                    <p:sldTgt/>
+                  </p:tgtEl>
+                </p:cond>
+              </p:prevCondLst>
+              <p:nextCondLst>
+                <p:cond evt="onNext" delay="0">
+                  <p:tgtEl>
+                    <p:sldTgt/>
+                  </p:tgtEl>
+                </p:cond>
+              </p:nextCondLst>
+            </p:seq>
+          </p:childTnLst>
+        </p:cTn>
+      </p:par>
+    </p:tnLst>
+  </p:timing>
+</p:sld>
+</file>
+
+<file path=ppt/slides/slide5.xml><?xml version="1.0" encoding="utf-8"?>
+<p:sld xmlns:a="http://schemas.openxmlformats.org/drawingml/2006/main" xmlns:r="http://schemas.openxmlformats.org/officeDocument/2006/relationships" xmlns:p="http://schemas.openxmlformats.org/presentationml/2006/main">
+  <p:cSld>
+    <p:spTree>
+      <p:nvGrpSpPr>
+        <p:cNvPr id="1" name=""/>
+        <p:cNvGrpSpPr/>
+        <p:nvPr/>
+      </p:nvGrpSpPr>
+      <p:grpSpPr>
+        <a:xfrm>
+          <a:off x="0" y="0"/>
+          <a:ext cx="0" cy="0"/>
+          <a:chOff x="0" y="0"/>
+          <a:chExt cx="0" cy="0"/>
+        </a:xfrm>
+      </p:grpSpPr>
+      <p:sp>
+        <p:nvSpPr>
+          <p:cNvPr id="2" name="Title 1"/>
+          <p:cNvSpPr>
+            <a:spLocks noGrp="1"/>
+          </p:cNvSpPr>
+          <p:nvPr>
+            <p:ph type="title"/>
+          </p:nvPr>
+        </p:nvSpPr>
+        <p:spPr/>
+        <p:txBody>
+          <a:bodyPr/>
+          <a:lstStyle/>
+          <a:p>
+            <a:r>
+              <a:rPr lang="en-US" dirty="0" smtClean="0"/>
+              <a:t>Ring Signatures</a:t>
+            </a:r>
+            <a:endParaRPr lang="en-US" dirty="0"/>
+          </a:p>
+        </p:txBody>
+      </p:sp>
+      <p:sp>
+        <p:nvSpPr>
+          <p:cNvPr id="3" name="Content Placeholder 2"/>
+          <p:cNvSpPr>
+            <a:spLocks noGrp="1"/>
+          </p:cNvSpPr>
+          <p:nvPr>
+            <p:ph idx="1"/>
+          </p:nvPr>
+        </p:nvSpPr>
+        <p:spPr/>
+        <p:txBody>
+          <a:bodyPr>
+            <a:normAutofit lnSpcReduction="10000"/>
+          </a:bodyPr>
+          <a:lstStyle/>
+          <a:p>
+            <a:r>
+              <a:rPr lang="en-US" dirty="0" smtClean="0"/>
+              <a:t>The problem is that if n_1 &lt; n_2 it’s easy to differentiate between the encryptions </a:t>
+            </a:r>
+          </a:p>
+          <a:p>
+            <a:r>
+              <a:rPr lang="en-US" dirty="0" smtClean="0"/>
+              <a:t>We </a:t>
+            </a:r>
+            <a:r>
+              <a:rPr lang="en-US" dirty="0" smtClean="0"/>
+              <a:t>take </a:t>
+            </a:r>
+            <a:r>
+              <a:rPr lang="en-US" dirty="0" err="1" smtClean="0"/>
+              <a:t>sufficienly</a:t>
+            </a:r>
+            <a:r>
+              <a:rPr lang="en-US" dirty="0" smtClean="0"/>
+              <a:t> large b (160 bits larger then any </a:t>
+            </a:r>
+            <a:r>
+              <a:rPr lang="en-US" dirty="0" err="1" smtClean="0"/>
+              <a:t>n_i</a:t>
+            </a:r>
+            <a:r>
+              <a:rPr lang="en-US" dirty="0" smtClean="0"/>
+              <a:t>)</a:t>
+            </a:r>
+          </a:p>
+          <a:p>
+            <a:endParaRPr lang="en-US" dirty="0"/>
+          </a:p>
+          <a:p>
+            <a:endParaRPr lang="en-US" dirty="0" smtClean="0"/>
+          </a:p>
+          <a:p>
+            <a:endParaRPr lang="en-US" dirty="0"/>
+          </a:p>
+          <a:p>
+            <a:endParaRPr lang="en-US" dirty="0" smtClean="0"/>
+          </a:p>
+          <a:p>
+            <a:endParaRPr lang="en-US" dirty="0"/>
+          </a:p>
+          <a:p>
+            <a:endParaRPr lang="en-US" dirty="0" smtClean="0"/>
+          </a:p>
+          <a:p>
+            <a:r>
+              <a:rPr lang="en-US" dirty="0" smtClean="0"/>
+              <a:t>Now all trap door functions are of the same domain - </a:t>
+            </a:r>
+            <a:endParaRPr lang="en-US" dirty="0"/>
+          </a:p>
+        </p:txBody>
+      </p:sp>
+      <p:pic>
+        <p:nvPicPr>
+          <p:cNvPr id="5" name="Picture 4"/>
+          <p:cNvPicPr>
+            <a:picLocks noChangeAspect="1"/>
+          </p:cNvPicPr>
+          <p:nvPr/>
+        </p:nvPicPr>
+        <p:blipFill>
+          <a:blip r:embed="rId2"/>
+          <a:stretch>
+            <a:fillRect/>
+          </a:stretch>
+        </p:blipFill>
+        <p:spPr>
+          <a:xfrm>
+            <a:off x="3545592" y="3819897"/>
             <a:ext cx="5776961" cy="1136984"/>
           </a:xfrm>
           <a:prstGeom prst="rect">
@@ -8387,14 +8887,14 @@
           <p:nvPr/>
         </p:nvPicPr>
         <p:blipFill>
-          <a:blip r:embed="rId4"/>
+          <a:blip r:embed="rId3"/>
           <a:stretch>
             <a:fillRect/>
           </a:stretch>
         </p:blipFill>
         <p:spPr>
           <a:xfrm>
-            <a:off x="4247691" y="2782935"/>
+            <a:off x="4247691" y="3219460"/>
             <a:ext cx="4372765" cy="519594"/>
           </a:xfrm>
           <a:prstGeom prst="rect">
@@ -8411,14 +8911,14 @@
           <p:nvPr/>
         </p:nvPicPr>
         <p:blipFill>
-          <a:blip r:embed="rId5"/>
+          <a:blip r:embed="rId4"/>
           <a:stretch>
             <a:fillRect/>
           </a:stretch>
         </p:blipFill>
         <p:spPr>
           <a:xfrm>
-            <a:off x="9096614" y="4913807"/>
+            <a:off x="9096614" y="5350332"/>
             <a:ext cx="929620" cy="436468"/>
           </a:xfrm>
           <a:prstGeom prst="rect">
@@ -8426,6 +8926,66 @@
           </a:prstGeom>
         </p:spPr>
       </p:pic>
+      <p:pic>
+        <p:nvPicPr>
+          <p:cNvPr id="9" name="Picture 8"/>
+          <p:cNvPicPr>
+            <a:picLocks noChangeAspect="1"/>
+          </p:cNvPicPr>
+          <p:nvPr/>
+        </p:nvPicPr>
+        <p:blipFill>
+          <a:blip r:embed="rId4"/>
+          <a:stretch>
+            <a:fillRect/>
+          </a:stretch>
+        </p:blipFill>
+        <p:spPr>
+          <a:xfrm>
+            <a:off x="10517234" y="5341907"/>
+            <a:ext cx="929620" cy="436468"/>
+          </a:xfrm>
+          <a:prstGeom prst="rect">
+            <a:avLst/>
+          </a:prstGeom>
+        </p:spPr>
+      </p:pic>
+      <p:cxnSp>
+        <p:nvCxnSpPr>
+          <p:cNvPr id="10" name="Straight Arrow Connector 9"/>
+          <p:cNvCxnSpPr>
+            <a:stCxn id="8" idx="3"/>
+            <a:endCxn id="9" idx="1"/>
+          </p:cNvCxnSpPr>
+          <p:nvPr/>
+        </p:nvCxnSpPr>
+        <p:spPr>
+          <a:xfrm flipV="1">
+            <a:off x="10026234" y="5560141"/>
+            <a:ext cx="491000" cy="8425"/>
+          </a:xfrm>
+          <a:prstGeom prst="straightConnector1">
+            <a:avLst/>
+          </a:prstGeom>
+          <a:ln>
+            <a:tailEnd type="triangle"/>
+          </a:ln>
+        </p:spPr>
+        <p:style>
+          <a:lnRef idx="1">
+            <a:schemeClr val="accent1"/>
+          </a:lnRef>
+          <a:fillRef idx="0">
+            <a:schemeClr val="accent1"/>
+          </a:fillRef>
+          <a:effectRef idx="0">
+            <a:schemeClr val="accent1"/>
+          </a:effectRef>
+          <a:fontRef idx="minor">
+            <a:schemeClr val="tx1"/>
+          </a:fontRef>
+        </p:style>
+      </p:cxnSp>
     </p:spTree>
     <p:extLst>
       <p:ext uri="{BB962C8B-B14F-4D97-AF65-F5344CB8AC3E}">
@@ -8470,7 +9030,11 @@
                                           </p:stCondLst>
                                         </p:cTn>
                                         <p:tgtEl>
-                                          <p:spTgt spid="4"/>
+                                          <p:spTgt spid="3">
+                                            <p:txEl>
+                                              <p:pRg st="0" end="0"/>
+                                            </p:txEl>
+                                          </p:spTgt>
                                         </p:tgtEl>
                                         <p:attrNameLst>
                                           <p:attrName>style.visibility</p:attrName>
@@ -8517,7 +9081,7 @@
                                         <p:tgtEl>
                                           <p:spTgt spid="3">
                                             <p:txEl>
-                                              <p:pRg st="0" end="0"/>
+                                              <p:pRg st="1" end="1"/>
                                             </p:txEl>
                                           </p:spTgt>
                                         </p:tgtEl>
@@ -8638,7 +9202,7 @@
                                         <p:tgtEl>
                                           <p:spTgt spid="3">
                                             <p:txEl>
-                                              <p:pRg st="7" end="7"/>
+                                              <p:pRg st="8" end="8"/>
                                             </p:txEl>
                                           </p:spTgt>
                                         </p:tgtEl>
@@ -8698,6 +9262,60 @@
                                   </p:childTnLst>
                                 </p:cTn>
                               </p:par>
+                              <p:par>
+                                <p:cTn id="25" presetID="1" presetClass="entr" presetSubtype="0" fill="hold" nodeType="withEffect">
+                                  <p:stCondLst>
+                                    <p:cond delay="0"/>
+                                  </p:stCondLst>
+                                  <p:childTnLst>
+                                    <p:set>
+                                      <p:cBhvr>
+                                        <p:cTn id="26" dur="1" fill="hold">
+                                          <p:stCondLst>
+                                            <p:cond delay="0"/>
+                                          </p:stCondLst>
+                                        </p:cTn>
+                                        <p:tgtEl>
+                                          <p:spTgt spid="10"/>
+                                        </p:tgtEl>
+                                        <p:attrNameLst>
+                                          <p:attrName>style.visibility</p:attrName>
+                                        </p:attrNameLst>
+                                      </p:cBhvr>
+                                      <p:to>
+                                        <p:strVal val="visible"/>
+                                      </p:to>
+                                    </p:set>
+                                  </p:childTnLst>
+                                </p:cTn>
+                              </p:par>
+                              <p:par>
+                                <p:cTn id="27" presetID="1" presetClass="entr" presetSubtype="0" fill="hold" nodeType="withEffect">
+                                  <p:stCondLst>
+                                    <p:cond delay="0"/>
+                                  </p:stCondLst>
+                                  <p:childTnLst>
+                                    <p:set>
+                                      <p:cBhvr>
+                                        <p:cTn id="28" dur="1" fill="hold">
+                                          <p:stCondLst>
+                                            <p:cond delay="0"/>
+                                          </p:stCondLst>
+                                        </p:cTn>
+                                        <p:tgtEl>
+                                          <p:spTgt spid="9"/>
+                                        </p:tgtEl>
+                                        <p:attrNameLst>
+                                          <p:attrName>style.visibility</p:attrName>
+                                        </p:attrNameLst>
+                                      </p:cBhvr>
+                                      <p:to>
+                                        <p:strVal val="visible"/>
+                                      </p:to>
+                                    </p:set>
+                                  </p:childTnLst>
+                                </p:cTn>
+                              </p:par>
                             </p:childTnLst>
                           </p:cTn>
                         </p:par>
@@ -8729,7 +9347,7 @@
 </p:sld>
 </file>
 
-<file path=ppt/slides/slide5.xml><?xml version="1.0" encoding="utf-8"?>
+<file path=ppt/slides/slide6.xml><?xml version="1.0" encoding="utf-8"?>
 <p:sld xmlns:a="http://schemas.openxmlformats.org/drawingml/2006/main" xmlns:r="http://schemas.openxmlformats.org/officeDocument/2006/relationships" xmlns:p="http://schemas.openxmlformats.org/presentationml/2006/main">
   <p:cSld>
     <p:spTree>
@@ -8796,9 +9414,9 @@
             </a:r>
           </a:p>
           <a:p>
-            <a:endParaRPr lang="en-US" dirty="0" smtClean="0"/>
-          </a:p>
-          <a:p>
+            <a:pPr marL="0" indent="0">
+              <a:buNone/>
+            </a:pPr>
             <a:endParaRPr lang="en-US" dirty="0" smtClean="0"/>
           </a:p>
           <a:p>
@@ -8855,7 +9473,7 @@
         </p:blipFill>
         <p:spPr>
           <a:xfrm>
-            <a:off x="2608760" y="4617651"/>
+            <a:off x="2608760" y="4162746"/>
             <a:ext cx="8558213" cy="398362"/>
           </a:xfrm>
           <a:prstGeom prst="rect">
@@ -8865,7 +9483,7 @@
       </p:pic>
       <p:pic>
         <p:nvPicPr>
-          <p:cNvPr id="6" name="Picture 5"/>
+          <p:cNvPr id="7" name="Picture 6"/>
           <p:cNvPicPr>
             <a:picLocks noChangeAspect="1"/>
           </p:cNvPicPr>
@@ -8879,8 +9497,8 @@
         </p:blipFill>
         <p:spPr>
           <a:xfrm>
-            <a:off x="2589212" y="5227165"/>
-            <a:ext cx="5987587" cy="1517176"/>
+            <a:off x="2589212" y="5019483"/>
+            <a:ext cx="6076950" cy="1009650"/>
           </a:xfrm>
           <a:prstGeom prst="rect">
             <a:avLst/>
@@ -9076,7 +9694,7 @@
                                         <p:tgtEl>
                                           <p:spTgt spid="3">
                                             <p:txEl>
-                                              <p:pRg st="5" end="5"/>
+                                              <p:pRg st="4" end="4"/>
                                             </p:txEl>
                                           </p:spTgt>
                                         </p:tgtEl>
@@ -9168,7 +9786,7 @@
                                           </p:stCondLst>
                                         </p:cTn>
                                         <p:tgtEl>
-                                          <p:spTgt spid="6"/>
+                                          <p:spTgt spid="7"/>
                                         </p:tgtEl>
                                         <p:attrNameLst>
                                           <p:attrName>style.visibility</p:attrName>
@@ -9212,7 +9830,548 @@
 </p:sld>
 </file>
 
-<file path=ppt/slides/slide6.xml><?xml version="1.0" encoding="utf-8"?>
+<file path=ppt/slides/slide7.xml><?xml version="1.0" encoding="utf-8"?>
+<p:sld xmlns:a="http://schemas.openxmlformats.org/drawingml/2006/main" xmlns:r="http://schemas.openxmlformats.org/officeDocument/2006/relationships" xmlns:p="http://schemas.openxmlformats.org/presentationml/2006/main">
+  <p:cSld>
+    <p:spTree>
+      <p:nvGrpSpPr>
+        <p:cNvPr id="1" name=""/>
+        <p:cNvGrpSpPr/>
+        <p:nvPr/>
+      </p:nvGrpSpPr>
+      <p:grpSpPr>
+        <a:xfrm>
+          <a:off x="0" y="0"/>
+          <a:ext cx="0" cy="0"/>
+          <a:chOff x="0" y="0"/>
+          <a:chExt cx="0" cy="0"/>
+        </a:xfrm>
+      </p:grpSpPr>
+      <p:sp>
+        <p:nvSpPr>
+          <p:cNvPr id="2" name="Title 1"/>
+          <p:cNvSpPr>
+            <a:spLocks noGrp="1"/>
+          </p:cNvSpPr>
+          <p:nvPr>
+            <p:ph type="title"/>
+          </p:nvPr>
+        </p:nvSpPr>
+        <p:spPr/>
+        <p:txBody>
+          <a:bodyPr/>
+          <a:lstStyle/>
+          <a:p>
+            <a:r>
+              <a:rPr lang="en-US" dirty="0" smtClean="0"/>
+              <a:t>Ring Signatures</a:t>
+            </a:r>
+            <a:endParaRPr lang="en-US" dirty="0"/>
+          </a:p>
+        </p:txBody>
+      </p:sp>
+      <p:sp>
+        <p:nvSpPr>
+          <p:cNvPr id="3" name="Content Placeholder 2"/>
+          <p:cNvSpPr>
+            <a:spLocks noGrp="1"/>
+          </p:cNvSpPr>
+          <p:nvPr>
+            <p:ph idx="1"/>
+          </p:nvPr>
+        </p:nvSpPr>
+        <p:spPr>
+          <a:xfrm>
+            <a:off x="2589212" y="1867089"/>
+            <a:ext cx="8915400" cy="4492355"/>
+          </a:xfrm>
+        </p:spPr>
+        <p:txBody>
+          <a:bodyPr>
+            <a:normAutofit/>
+          </a:bodyPr>
+          <a:lstStyle/>
+          <a:p>
+            <a:endParaRPr lang="en-US" dirty="0" smtClean="0"/>
+          </a:p>
+          <a:p>
+            <a:endParaRPr lang="en-US" dirty="0"/>
+          </a:p>
+          <a:p>
+            <a:endParaRPr lang="en-US" dirty="0" smtClean="0"/>
+          </a:p>
+          <a:p>
+            <a:endParaRPr lang="en-US" dirty="0"/>
+          </a:p>
+          <a:p>
+            <a:pPr marL="0" indent="0">
+              <a:buNone/>
+            </a:pPr>
+            <a:r>
+              <a:rPr lang="en-US" dirty="0"/>
+              <a:t>	</a:t>
+            </a:r>
+            <a:r>
+              <a:rPr lang="en-US" dirty="0" smtClean="0"/>
+              <a:t>						is our parameter</a:t>
+            </a:r>
+          </a:p>
+          <a:p>
+            <a:pPr marL="0" indent="0">
+              <a:buNone/>
+            </a:pPr>
+            <a:endParaRPr lang="en-US" dirty="0"/>
+          </a:p>
+          <a:p>
+            <a:pPr marL="0" indent="0">
+              <a:buNone/>
+            </a:pPr>
+            <a:r>
+              <a:rPr lang="en-US" dirty="0" smtClean="0"/>
+              <a:t>Now we can solve the equation</a:t>
+            </a:r>
+          </a:p>
+          <a:p>
+            <a:pPr marL="0" indent="0">
+              <a:buNone/>
+            </a:pPr>
+            <a:endParaRPr lang="en-US" dirty="0" smtClean="0"/>
+          </a:p>
+          <a:p>
+            <a:pPr marL="0" indent="0">
+              <a:buNone/>
+            </a:pPr>
+            <a:endParaRPr lang="en-US" dirty="0"/>
+          </a:p>
+          <a:p>
+            <a:pPr marL="0" indent="0">
+              <a:buNone/>
+            </a:pPr>
+            <a:r>
+              <a:rPr lang="en-US" dirty="0" smtClean="0"/>
+              <a:t>Now we can calculate</a:t>
+            </a:r>
+          </a:p>
+          <a:p>
+            <a:pPr marL="0" indent="0">
+              <a:buNone/>
+            </a:pPr>
+            <a:endParaRPr lang="en-US" dirty="0"/>
+          </a:p>
+        </p:txBody>
+      </p:sp>
+      <p:pic>
+        <p:nvPicPr>
+          <p:cNvPr id="4" name="Picture 3"/>
+          <p:cNvPicPr>
+            <a:picLocks noChangeAspect="1"/>
+          </p:cNvPicPr>
+          <p:nvPr/>
+        </p:nvPicPr>
+        <p:blipFill>
+          <a:blip r:embed="rId2"/>
+          <a:stretch>
+            <a:fillRect/>
+          </a:stretch>
+        </p:blipFill>
+        <p:spPr>
+          <a:xfrm>
+            <a:off x="2589212" y="1587945"/>
+            <a:ext cx="5987587" cy="1517176"/>
+          </a:xfrm>
+          <a:prstGeom prst="rect">
+            <a:avLst/>
+          </a:prstGeom>
+        </p:spPr>
+      </p:pic>
+      <p:cxnSp>
+        <p:nvCxnSpPr>
+          <p:cNvPr id="6" name="Straight Arrow Connector 5"/>
+          <p:cNvCxnSpPr/>
+          <p:nvPr/>
+        </p:nvCxnSpPr>
+        <p:spPr>
+          <a:xfrm flipV="1">
+            <a:off x="6258356" y="1957458"/>
+            <a:ext cx="4595" cy="1516341"/>
+          </a:xfrm>
+          <a:prstGeom prst="straightConnector1">
+            <a:avLst/>
+          </a:prstGeom>
+          <a:ln>
+            <a:tailEnd type="triangle"/>
+          </a:ln>
+        </p:spPr>
+        <p:style>
+          <a:lnRef idx="1">
+            <a:schemeClr val="accent1"/>
+          </a:lnRef>
+          <a:fillRef idx="0">
+            <a:schemeClr val="accent1"/>
+          </a:fillRef>
+          <a:effectRef idx="0">
+            <a:schemeClr val="accent1"/>
+          </a:effectRef>
+          <a:fontRef idx="minor">
+            <a:schemeClr val="tx1"/>
+          </a:fontRef>
+        </p:style>
+      </p:cxnSp>
+      <p:pic>
+        <p:nvPicPr>
+          <p:cNvPr id="7" name="Picture 6"/>
+          <p:cNvPicPr>
+            <a:picLocks noChangeAspect="1"/>
+          </p:cNvPicPr>
+          <p:nvPr/>
+        </p:nvPicPr>
+        <p:blipFill>
+          <a:blip r:embed="rId3"/>
+          <a:stretch>
+            <a:fillRect/>
+          </a:stretch>
+        </p:blipFill>
+        <p:spPr>
+          <a:xfrm>
+            <a:off x="5439183" y="3542724"/>
+            <a:ext cx="253983" cy="242695"/>
+          </a:xfrm>
+          <a:prstGeom prst="rect">
+            <a:avLst/>
+          </a:prstGeom>
+        </p:spPr>
+      </p:pic>
+      <p:pic>
+        <p:nvPicPr>
+          <p:cNvPr id="8" name="Picture 7"/>
+          <p:cNvPicPr>
+            <a:picLocks noChangeAspect="1"/>
+          </p:cNvPicPr>
+          <p:nvPr/>
+        </p:nvPicPr>
+        <p:blipFill>
+          <a:blip r:embed="rId4"/>
+          <a:stretch>
+            <a:fillRect/>
+          </a:stretch>
+        </p:blipFill>
+        <p:spPr>
+          <a:xfrm>
+            <a:off x="2589212" y="4845336"/>
+            <a:ext cx="2849971" cy="476910"/>
+          </a:xfrm>
+          <a:prstGeom prst="rect">
+            <a:avLst/>
+          </a:prstGeom>
+        </p:spPr>
+      </p:pic>
+      <p:pic>
+        <p:nvPicPr>
+          <p:cNvPr id="9" name="Picture 8"/>
+          <p:cNvPicPr>
+            <a:picLocks noChangeAspect="1"/>
+          </p:cNvPicPr>
+          <p:nvPr/>
+        </p:nvPicPr>
+        <p:blipFill>
+          <a:blip r:embed="rId3"/>
+          <a:stretch>
+            <a:fillRect/>
+          </a:stretch>
+        </p:blipFill>
+        <p:spPr>
+          <a:xfrm>
+            <a:off x="4014197" y="4723988"/>
+            <a:ext cx="253983" cy="242695"/>
+          </a:xfrm>
+          <a:prstGeom prst="rect">
+            <a:avLst/>
+          </a:prstGeom>
+        </p:spPr>
+      </p:pic>
+      <p:pic>
+        <p:nvPicPr>
+          <p:cNvPr id="10" name="Picture 9"/>
+          <p:cNvPicPr>
+            <a:picLocks noChangeAspect="1"/>
+          </p:cNvPicPr>
+          <p:nvPr/>
+        </p:nvPicPr>
+        <p:blipFill>
+          <a:blip r:embed="rId5"/>
+          <a:stretch>
+            <a:fillRect/>
+          </a:stretch>
+        </p:blipFill>
+        <p:spPr>
+          <a:xfrm>
+            <a:off x="2589213" y="6113109"/>
+            <a:ext cx="1587619" cy="472440"/>
+          </a:xfrm>
+          <a:prstGeom prst="rect">
+            <a:avLst/>
+          </a:prstGeom>
+        </p:spPr>
+      </p:pic>
+    </p:spTree>
+    <p:extLst>
+      <p:ext uri="{BB962C8B-B14F-4D97-AF65-F5344CB8AC3E}">
+        <p14:creationId xmlns:p14="http://schemas.microsoft.com/office/powerpoint/2010/main" val="2048165689"/>
+      </p:ext>
+    </p:extLst>
+  </p:cSld>
+  <p:clrMapOvr>
+    <a:masterClrMapping/>
+  </p:clrMapOvr>
+  <p:timing>
+    <p:tnLst>
+      <p:par>
+        <p:cTn id="1" dur="indefinite" restart="never" nodeType="tmRoot">
+          <p:childTnLst>
+            <p:seq concurrent="1" nextAc="seek">
+              <p:cTn id="2" dur="indefinite" nodeType="mainSeq">
+                <p:childTnLst>
+                  <p:par>
+                    <p:cTn id="3" fill="hold">
+                      <p:stCondLst>
+                        <p:cond delay="indefinite"/>
+                      </p:stCondLst>
+                      <p:childTnLst>
+                        <p:par>
+                          <p:cTn id="4" fill="hold">
+                            <p:stCondLst>
+                              <p:cond delay="0"/>
+                            </p:stCondLst>
+                            <p:childTnLst>
+                              <p:par>
+                                <p:cTn id="5" presetID="1" presetClass="entr" presetSubtype="0" fill="hold" nodeType="clickEffect">
+                                  <p:stCondLst>
+                                    <p:cond delay="0"/>
+                                  </p:stCondLst>
+                                  <p:childTnLst>
+                                    <p:set>
+                                      <p:cBhvr>
+                                        <p:cTn id="6" dur="1" fill="hold">
+                                          <p:stCondLst>
+                                            <p:cond delay="0"/>
+                                          </p:stCondLst>
+                                        </p:cTn>
+                                        <p:tgtEl>
+                                          <p:spTgt spid="3">
+                                            <p:txEl>
+                                              <p:pRg st="6" end="6"/>
+                                            </p:txEl>
+                                          </p:spTgt>
+                                        </p:tgtEl>
+                                        <p:attrNameLst>
+                                          <p:attrName>style.visibility</p:attrName>
+                                        </p:attrNameLst>
+                                      </p:cBhvr>
+                                      <p:to>
+                                        <p:strVal val="visible"/>
+                                      </p:to>
+                                    </p:set>
+                                  </p:childTnLst>
+                                </p:cTn>
+                              </p:par>
+                            </p:childTnLst>
+                          </p:cTn>
+                        </p:par>
+                      </p:childTnLst>
+                    </p:cTn>
+                  </p:par>
+                  <p:par>
+                    <p:cTn id="7" fill="hold">
+                      <p:stCondLst>
+                        <p:cond delay="indefinite"/>
+                      </p:stCondLst>
+                      <p:childTnLst>
+                        <p:par>
+                          <p:cTn id="8" fill="hold">
+                            <p:stCondLst>
+                              <p:cond delay="0"/>
+                            </p:stCondLst>
+                            <p:childTnLst>
+                              <p:par>
+                                <p:cTn id="9" presetID="1" presetClass="entr" presetSubtype="0" fill="hold" nodeType="clickEffect">
+                                  <p:stCondLst>
+                                    <p:cond delay="0"/>
+                                  </p:stCondLst>
+                                  <p:childTnLst>
+                                    <p:set>
+                                      <p:cBhvr>
+                                        <p:cTn id="10" dur="1" fill="hold">
+                                          <p:stCondLst>
+                                            <p:cond delay="0"/>
+                                          </p:stCondLst>
+                                        </p:cTn>
+                                        <p:tgtEl>
+                                          <p:spTgt spid="8"/>
+                                        </p:tgtEl>
+                                        <p:attrNameLst>
+                                          <p:attrName>style.visibility</p:attrName>
+                                        </p:attrNameLst>
+                                      </p:cBhvr>
+                                      <p:to>
+                                        <p:strVal val="visible"/>
+                                      </p:to>
+                                    </p:set>
+                                  </p:childTnLst>
+                                </p:cTn>
+                              </p:par>
+                              <p:par>
+                                <p:cTn id="11" presetID="1" presetClass="entr" presetSubtype="0" fill="hold" nodeType="withEffect">
+                                  <p:stCondLst>
+                                    <p:cond delay="0"/>
+                                  </p:stCondLst>
+                                  <p:childTnLst>
+                                    <p:set>
+                                      <p:cBhvr>
+                                        <p:cTn id="12" dur="1" fill="hold">
+                                          <p:stCondLst>
+                                            <p:cond delay="0"/>
+                                          </p:stCondLst>
+                                        </p:cTn>
+                                        <p:tgtEl>
+                                          <p:spTgt spid="9"/>
+                                        </p:tgtEl>
+                                        <p:attrNameLst>
+                                          <p:attrName>style.visibility</p:attrName>
+                                        </p:attrNameLst>
+                                      </p:cBhvr>
+                                      <p:to>
+                                        <p:strVal val="visible"/>
+                                      </p:to>
+                                    </p:set>
+                                  </p:childTnLst>
+                                </p:cTn>
+                              </p:par>
+                            </p:childTnLst>
+                          </p:cTn>
+                        </p:par>
+                      </p:childTnLst>
+                    </p:cTn>
+                  </p:par>
+                  <p:par>
+                    <p:cTn id="13" fill="hold">
+                      <p:stCondLst>
+                        <p:cond delay="indefinite"/>
+                      </p:stCondLst>
+                      <p:childTnLst>
+                        <p:par>
+                          <p:cTn id="14" fill="hold">
+                            <p:stCondLst>
+                              <p:cond delay="0"/>
+                            </p:stCondLst>
+                            <p:childTnLst>
+                              <p:par>
+                                <p:cTn id="15" presetID="1" presetClass="entr" presetSubtype="0" fill="hold" nodeType="clickEffect">
+                                  <p:stCondLst>
+                                    <p:cond delay="0"/>
+                                  </p:stCondLst>
+                                  <p:childTnLst>
+                                    <p:set>
+                                      <p:cBhvr>
+                                        <p:cTn id="16" dur="1" fill="hold">
+                                          <p:stCondLst>
+                                            <p:cond delay="0"/>
+                                          </p:stCondLst>
+                                        </p:cTn>
+                                        <p:tgtEl>
+                                          <p:spTgt spid="3">
+                                            <p:txEl>
+                                              <p:pRg st="9" end="9"/>
+                                            </p:txEl>
+                                          </p:spTgt>
+                                        </p:tgtEl>
+                                        <p:attrNameLst>
+                                          <p:attrName>style.visibility</p:attrName>
+                                        </p:attrNameLst>
+                                      </p:cBhvr>
+                                      <p:to>
+                                        <p:strVal val="visible"/>
+                                      </p:to>
+                                    </p:set>
+                                  </p:childTnLst>
+                                </p:cTn>
+                              </p:par>
+                            </p:childTnLst>
+                          </p:cTn>
+                        </p:par>
+                      </p:childTnLst>
+                    </p:cTn>
+                  </p:par>
+                  <p:par>
+                    <p:cTn id="17" fill="hold">
+                      <p:stCondLst>
+                        <p:cond delay="indefinite"/>
+                      </p:stCondLst>
+                      <p:childTnLst>
+                        <p:par>
+                          <p:cTn id="18" fill="hold">
+                            <p:stCondLst>
+                              <p:cond delay="0"/>
+                            </p:stCondLst>
+                            <p:childTnLst>
+                              <p:par>
+                                <p:cTn id="19" presetID="1" presetClass="entr" presetSubtype="0" fill="hold" nodeType="clickEffect">
+                                  <p:stCondLst>
+                                    <p:cond delay="0"/>
+                                  </p:stCondLst>
+                                  <p:childTnLst>
+                                    <p:set>
+                                      <p:cBhvr>
+                                        <p:cTn id="20" dur="1" fill="hold">
+                                          <p:stCondLst>
+                                            <p:cond delay="0"/>
+                                          </p:stCondLst>
+                                        </p:cTn>
+                                        <p:tgtEl>
+                                          <p:spTgt spid="10"/>
+                                        </p:tgtEl>
+                                        <p:attrNameLst>
+                                          <p:attrName>style.visibility</p:attrName>
+                                        </p:attrNameLst>
+                                      </p:cBhvr>
+                                      <p:to>
+                                        <p:strVal val="visible"/>
+                                      </p:to>
+                                    </p:set>
+                                  </p:childTnLst>
+                                </p:cTn>
+                              </p:par>
+                            </p:childTnLst>
+                          </p:cTn>
+                        </p:par>
+                      </p:childTnLst>
+                    </p:cTn>
+                  </p:par>
+                </p:childTnLst>
+              </p:cTn>
+              <p:prevCondLst>
+                <p:cond evt="onPrev" delay="0">
+                  <p:tgtEl>
+                    <p:sldTgt/>
+                  </p:tgtEl>
+                </p:cond>
+              </p:prevCondLst>
+              <p:nextCondLst>
+                <p:cond evt="onNext" delay="0">
+                  <p:tgtEl>
+                    <p:sldTgt/>
+                  </p:tgtEl>
+                </p:cond>
+              </p:nextCondLst>
+            </p:seq>
+          </p:childTnLst>
+        </p:cTn>
+      </p:par>
+    </p:tnLst>
+  </p:timing>
+</p:sld>
+</file>
+
+<file path=ppt/slides/slide8.xml><?xml version="1.0" encoding="utf-8"?>
 <p:sld xmlns:a="http://schemas.openxmlformats.org/drawingml/2006/main" xmlns:r="http://schemas.openxmlformats.org/officeDocument/2006/relationships" xmlns:p="http://schemas.openxmlformats.org/presentationml/2006/main">
   <p:cSld>
     <p:spTree>
@@ -9439,7 +10598,7 @@
 </p:sld>
 </file>
 
-<file path=ppt/slides/slide7.xml><?xml version="1.0" encoding="utf-8"?>
+<file path=ppt/slides/slide9.xml><?xml version="1.0" encoding="utf-8"?>
 <p:sld xmlns:a="http://schemas.openxmlformats.org/drawingml/2006/main" xmlns:r="http://schemas.openxmlformats.org/officeDocument/2006/relationships" xmlns:p="http://schemas.openxmlformats.org/presentationml/2006/main">
   <p:cSld>
     <p:spTree>
